--- a/content/blog/2021-07-18-rr-and-or/placemats.pptx
+++ b/content/blog/2021-07-18-rr-and-or/placemats.pptx
@@ -106,6 +106,11 @@
       </a:defRPr>
     </a:lvl9pPr>
   </p:defaultTextStyle>
+  <p:extLst>
+    <p:ext uri="{EFAFB233-063F-42B5-8137-9DF3F51BA10A}">
+      <p15:sldGuideLst xmlns:p15="http://schemas.microsoft.com/office/powerpoint/2012/main"/>
+    </p:ext>
+  </p:extLst>
 </p:presentation>
 </file>
 
@@ -156,6 +161,11 @@
               </a:ln>
               <a:effectLst/>
             </c:spPr>
+            <c:extLst>
+              <c:ext xmlns:c16="http://schemas.microsoft.com/office/drawing/2014/chart" uri="{C3380CC4-5D6E-409C-BE32-E72D297353CC}">
+                <c16:uniqueId val="{00000001-A9FB-E447-B138-02D6AD45D4DA}"/>
+              </c:ext>
+            </c:extLst>
           </c:dPt>
           <c:dPt>
             <c:idx val="1"/>
@@ -171,6 +181,11 @@
               </a:ln>
               <a:effectLst/>
             </c:spPr>
+            <c:extLst>
+              <c:ext xmlns:c16="http://schemas.microsoft.com/office/drawing/2014/chart" uri="{C3380CC4-5D6E-409C-BE32-E72D297353CC}">
+                <c16:uniqueId val="{00000003-A9FB-E447-B138-02D6AD45D4DA}"/>
+              </c:ext>
+            </c:extLst>
           </c:dPt>
           <c:dPt>
             <c:idx val="2"/>
@@ -384,6 +399,11 @@
               </a:ln>
               <a:effectLst/>
             </c:spPr>
+            <c:extLst>
+              <c:ext xmlns:c16="http://schemas.microsoft.com/office/drawing/2014/chart" uri="{C3380CC4-5D6E-409C-BE32-E72D297353CC}">
+                <c16:uniqueId val="{00000003-47E9-3B44-A6D6-6222F67C9C0E}"/>
+              </c:ext>
+            </c:extLst>
           </c:dPt>
           <c:dPt>
             <c:idx val="2"/>
@@ -399,6 +419,11 @@
               </a:ln>
               <a:effectLst/>
             </c:spPr>
+            <c:extLst>
+              <c:ext xmlns:c16="http://schemas.microsoft.com/office/drawing/2014/chart" uri="{C3380CC4-5D6E-409C-BE32-E72D297353CC}">
+                <c16:uniqueId val="{00000005-47E9-3B44-A6D6-6222F67C9C0E}"/>
+              </c:ext>
+            </c:extLst>
           </c:dPt>
           <c:dPt>
             <c:idx val="3"/>
@@ -618,6 +643,11 @@
               </a:ln>
               <a:effectLst/>
             </c:spPr>
+            <c:extLst>
+              <c:ext xmlns:c16="http://schemas.microsoft.com/office/drawing/2014/chart" uri="{C3380CC4-5D6E-409C-BE32-E72D297353CC}">
+                <c16:uniqueId val="{00000003-6CE2-4D40-819E-E7943B8F7787}"/>
+              </c:ext>
+            </c:extLst>
           </c:dPt>
           <c:dPt>
             <c:idx val="2"/>
@@ -633,6 +663,11 @@
               </a:ln>
               <a:effectLst/>
             </c:spPr>
+            <c:extLst>
+              <c:ext xmlns:c16="http://schemas.microsoft.com/office/drawing/2014/chart" uri="{C3380CC4-5D6E-409C-BE32-E72D297353CC}">
+                <c16:uniqueId val="{00000005-6CE2-4D40-819E-E7943B8F7787}"/>
+              </c:ext>
+            </c:extLst>
           </c:dPt>
           <c:dPt>
             <c:idx val="3"/>
@@ -648,6 +683,11 @@
               </a:ln>
               <a:effectLst/>
             </c:spPr>
+            <c:extLst>
+              <c:ext xmlns:c16="http://schemas.microsoft.com/office/drawing/2014/chart" uri="{C3380CC4-5D6E-409C-BE32-E72D297353CC}">
+                <c16:uniqueId val="{00000007-6CE2-4D40-819E-E7943B8F7787}"/>
+              </c:ext>
+            </c:extLst>
           </c:dPt>
           <c:dPt>
             <c:idx val="4"/>
@@ -663,6 +703,11 @@
               </a:ln>
               <a:effectLst/>
             </c:spPr>
+            <c:extLst>
+              <c:ext xmlns:c16="http://schemas.microsoft.com/office/drawing/2014/chart" uri="{C3380CC4-5D6E-409C-BE32-E72D297353CC}">
+                <c16:uniqueId val="{00000009-6CE2-4D40-819E-E7943B8F7787}"/>
+              </c:ext>
+            </c:extLst>
           </c:dPt>
           <c:dPt>
             <c:idx val="5"/>
@@ -678,6 +723,11 @@
               </a:ln>
               <a:effectLst/>
             </c:spPr>
+            <c:extLst>
+              <c:ext xmlns:c16="http://schemas.microsoft.com/office/drawing/2014/chart" uri="{C3380CC4-5D6E-409C-BE32-E72D297353CC}">
+                <c16:uniqueId val="{0000000B-6CE2-4D40-819E-E7943B8F7787}"/>
+              </c:ext>
+            </c:extLst>
           </c:dPt>
           <c:dPt>
             <c:idx val="6"/>
@@ -911,6 +961,11 @@
               </a:ln>
               <a:effectLst/>
             </c:spPr>
+            <c:extLst>
+              <c:ext xmlns:c16="http://schemas.microsoft.com/office/drawing/2014/chart" uri="{C3380CC4-5D6E-409C-BE32-E72D297353CC}">
+                <c16:uniqueId val="{00000005-95C2-E44F-AE0F-2BBA9FF25D0C}"/>
+              </c:ext>
+            </c:extLst>
           </c:dPt>
           <c:dPt>
             <c:idx val="3"/>
@@ -926,6 +981,11 @@
               </a:ln>
               <a:effectLst/>
             </c:spPr>
+            <c:extLst>
+              <c:ext xmlns:c16="http://schemas.microsoft.com/office/drawing/2014/chart" uri="{C3380CC4-5D6E-409C-BE32-E72D297353CC}">
+                <c16:uniqueId val="{00000007-95C2-E44F-AE0F-2BBA9FF25D0C}"/>
+              </c:ext>
+            </c:extLst>
           </c:dPt>
           <c:cat>
             <c:strRef>
@@ -1062,6 +1122,11 @@
               </a:ln>
               <a:effectLst/>
             </c:spPr>
+            <c:extLst>
+              <c:ext xmlns:c16="http://schemas.microsoft.com/office/drawing/2014/chart" uri="{C3380CC4-5D6E-409C-BE32-E72D297353CC}">
+                <c16:uniqueId val="{00000001-B01C-6E45-AAC8-8A6D07026E72}"/>
+              </c:ext>
+            </c:extLst>
           </c:dPt>
           <c:dPt>
             <c:idx val="1"/>
@@ -1077,6 +1142,11 @@
               </a:ln>
               <a:effectLst/>
             </c:spPr>
+            <c:extLst>
+              <c:ext xmlns:c16="http://schemas.microsoft.com/office/drawing/2014/chart" uri="{C3380CC4-5D6E-409C-BE32-E72D297353CC}">
+                <c16:uniqueId val="{00000003-B01C-6E45-AAC8-8A6D07026E72}"/>
+              </c:ext>
+            </c:extLst>
           </c:dPt>
           <c:dPt>
             <c:idx val="2"/>
@@ -1275,6 +1345,11 @@
               </a:ln>
               <a:effectLst/>
             </c:spPr>
+            <c:extLst>
+              <c:ext xmlns:c16="http://schemas.microsoft.com/office/drawing/2014/chart" uri="{C3380CC4-5D6E-409C-BE32-E72D297353CC}">
+                <c16:uniqueId val="{00000001-3191-F44C-ACE6-48297D09A64F}"/>
+              </c:ext>
+            </c:extLst>
           </c:dPt>
           <c:dPt>
             <c:idx val="1"/>
@@ -1290,6 +1365,11 @@
               </a:ln>
               <a:effectLst/>
             </c:spPr>
+            <c:extLst>
+              <c:ext xmlns:c16="http://schemas.microsoft.com/office/drawing/2014/chart" uri="{C3380CC4-5D6E-409C-BE32-E72D297353CC}">
+                <c16:uniqueId val="{00000003-3191-F44C-ACE6-48297D09A64F}"/>
+              </c:ext>
+            </c:extLst>
           </c:dPt>
           <c:dPt>
             <c:idx val="2"/>
@@ -1679,6 +1759,11 @@
               </a:ln>
               <a:effectLst/>
             </c:spPr>
+            <c:extLst>
+              <c:ext xmlns:c16="http://schemas.microsoft.com/office/drawing/2014/chart" uri="{C3380CC4-5D6E-409C-BE32-E72D297353CC}">
+                <c16:uniqueId val="{00000003-F1D0-AD45-A619-91C90AC4FDA1}"/>
+              </c:ext>
+            </c:extLst>
           </c:dPt>
           <c:dPt>
             <c:idx val="2"/>
@@ -1694,6 +1779,11 @@
               </a:ln>
               <a:effectLst/>
             </c:spPr>
+            <c:extLst>
+              <c:ext xmlns:c16="http://schemas.microsoft.com/office/drawing/2014/chart" uri="{C3380CC4-5D6E-409C-BE32-E72D297353CC}">
+                <c16:uniqueId val="{00000005-F1D0-AD45-A619-91C90AC4FDA1}"/>
+              </c:ext>
+            </c:extLst>
           </c:dPt>
           <c:dPt>
             <c:idx val="3"/>
@@ -1913,6 +2003,11 @@
               </a:ln>
               <a:effectLst/>
             </c:spPr>
+            <c:extLst>
+              <c:ext xmlns:c16="http://schemas.microsoft.com/office/drawing/2014/chart" uri="{C3380CC4-5D6E-409C-BE32-E72D297353CC}">
+                <c16:uniqueId val="{00000003-515F-E547-B33A-C91D459B6C9F}"/>
+              </c:ext>
+            </c:extLst>
           </c:dPt>
           <c:dPt>
             <c:idx val="2"/>
@@ -1928,6 +2023,11 @@
               </a:ln>
               <a:effectLst/>
             </c:spPr>
+            <c:extLst>
+              <c:ext xmlns:c16="http://schemas.microsoft.com/office/drawing/2014/chart" uri="{C3380CC4-5D6E-409C-BE32-E72D297353CC}">
+                <c16:uniqueId val="{00000005-515F-E547-B33A-C91D459B6C9F}"/>
+              </c:ext>
+            </c:extLst>
           </c:dPt>
           <c:dPt>
             <c:idx val="3"/>
@@ -1943,6 +2043,11 @@
               </a:ln>
               <a:effectLst/>
             </c:spPr>
+            <c:extLst>
+              <c:ext xmlns:c16="http://schemas.microsoft.com/office/drawing/2014/chart" uri="{C3380CC4-5D6E-409C-BE32-E72D297353CC}">
+                <c16:uniqueId val="{00000007-515F-E547-B33A-C91D459B6C9F}"/>
+              </c:ext>
+            </c:extLst>
           </c:dPt>
           <c:dPt>
             <c:idx val="4"/>
@@ -1958,6 +2063,11 @@
               </a:ln>
               <a:effectLst/>
             </c:spPr>
+            <c:extLst>
+              <c:ext xmlns:c16="http://schemas.microsoft.com/office/drawing/2014/chart" uri="{C3380CC4-5D6E-409C-BE32-E72D297353CC}">
+                <c16:uniqueId val="{00000009-515F-E547-B33A-C91D459B6C9F}"/>
+              </c:ext>
+            </c:extLst>
           </c:dPt>
           <c:dPt>
             <c:idx val="5"/>
@@ -1973,6 +2083,11 @@
               </a:ln>
               <a:effectLst/>
             </c:spPr>
+            <c:extLst>
+              <c:ext xmlns:c16="http://schemas.microsoft.com/office/drawing/2014/chart" uri="{C3380CC4-5D6E-409C-BE32-E72D297353CC}">
+                <c16:uniqueId val="{0000000B-515F-E547-B33A-C91D459B6C9F}"/>
+              </c:ext>
+            </c:extLst>
           </c:dPt>
           <c:dPt>
             <c:idx val="6"/>
@@ -2206,6 +2321,11 @@
               </a:ln>
               <a:effectLst/>
             </c:spPr>
+            <c:extLst>
+              <c:ext xmlns:c16="http://schemas.microsoft.com/office/drawing/2014/chart" uri="{C3380CC4-5D6E-409C-BE32-E72D297353CC}">
+                <c16:uniqueId val="{00000005-7025-D441-AC19-25E72E27D1CB}"/>
+              </c:ext>
+            </c:extLst>
           </c:dPt>
           <c:dPt>
             <c:idx val="3"/>
@@ -2221,6 +2341,11 @@
               </a:ln>
               <a:effectLst/>
             </c:spPr>
+            <c:extLst>
+              <c:ext xmlns:c16="http://schemas.microsoft.com/office/drawing/2014/chart" uri="{C3380CC4-5D6E-409C-BE32-E72D297353CC}">
+                <c16:uniqueId val="{00000007-7025-D441-AC19-25E72E27D1CB}"/>
+              </c:ext>
+            </c:extLst>
           </c:dPt>
           <c:cat>
             <c:strRef>
@@ -2367,6 +2492,11 @@
               </a:ln>
               <a:effectLst/>
             </c:spPr>
+            <c:extLst>
+              <c:ext xmlns:c16="http://schemas.microsoft.com/office/drawing/2014/chart" uri="{C3380CC4-5D6E-409C-BE32-E72D297353CC}">
+                <c16:uniqueId val="{00000001-A5E9-D54B-9F6A-587BE5709CDA}"/>
+              </c:ext>
+            </c:extLst>
           </c:dPt>
           <c:dPt>
             <c:idx val="1"/>
@@ -2382,6 +2512,11 @@
               </a:ln>
               <a:effectLst/>
             </c:spPr>
+            <c:extLst>
+              <c:ext xmlns:c16="http://schemas.microsoft.com/office/drawing/2014/chart" uri="{C3380CC4-5D6E-409C-BE32-E72D297353CC}">
+                <c16:uniqueId val="{00000003-A5E9-D54B-9F6A-587BE5709CDA}"/>
+              </c:ext>
+            </c:extLst>
           </c:dPt>
           <c:dPt>
             <c:idx val="2"/>
@@ -2771,6 +2906,11 @@
               </a:ln>
               <a:effectLst/>
             </c:spPr>
+            <c:extLst>
+              <c:ext xmlns:c16="http://schemas.microsoft.com/office/drawing/2014/chart" uri="{C3380CC4-5D6E-409C-BE32-E72D297353CC}">
+                <c16:uniqueId val="{00000003-697E-1C4A-B1BF-604C7F665366}"/>
+              </c:ext>
+            </c:extLst>
           </c:dPt>
           <c:dPt>
             <c:idx val="2"/>
@@ -2786,6 +2926,11 @@
               </a:ln>
               <a:effectLst/>
             </c:spPr>
+            <c:extLst>
+              <c:ext xmlns:c16="http://schemas.microsoft.com/office/drawing/2014/chart" uri="{C3380CC4-5D6E-409C-BE32-E72D297353CC}">
+                <c16:uniqueId val="{00000005-697E-1C4A-B1BF-604C7F665366}"/>
+              </c:ext>
+            </c:extLst>
           </c:dPt>
           <c:dPt>
             <c:idx val="3"/>
@@ -3005,6 +3150,11 @@
               </a:ln>
               <a:effectLst/>
             </c:spPr>
+            <c:extLst>
+              <c:ext xmlns:c16="http://schemas.microsoft.com/office/drawing/2014/chart" uri="{C3380CC4-5D6E-409C-BE32-E72D297353CC}">
+                <c16:uniqueId val="{00000003-C74E-5E44-BA77-ADDE80250D51}"/>
+              </c:ext>
+            </c:extLst>
           </c:dPt>
           <c:dPt>
             <c:idx val="2"/>
@@ -3020,6 +3170,11 @@
               </a:ln>
               <a:effectLst/>
             </c:spPr>
+            <c:extLst>
+              <c:ext xmlns:c16="http://schemas.microsoft.com/office/drawing/2014/chart" uri="{C3380CC4-5D6E-409C-BE32-E72D297353CC}">
+                <c16:uniqueId val="{00000005-C74E-5E44-BA77-ADDE80250D51}"/>
+              </c:ext>
+            </c:extLst>
           </c:dPt>
           <c:dPt>
             <c:idx val="3"/>
@@ -3035,6 +3190,11 @@
               </a:ln>
               <a:effectLst/>
             </c:spPr>
+            <c:extLst>
+              <c:ext xmlns:c16="http://schemas.microsoft.com/office/drawing/2014/chart" uri="{C3380CC4-5D6E-409C-BE32-E72D297353CC}">
+                <c16:uniqueId val="{00000007-C74E-5E44-BA77-ADDE80250D51}"/>
+              </c:ext>
+            </c:extLst>
           </c:dPt>
           <c:dPt>
             <c:idx val="4"/>
@@ -3050,6 +3210,11 @@
               </a:ln>
               <a:effectLst/>
             </c:spPr>
+            <c:extLst>
+              <c:ext xmlns:c16="http://schemas.microsoft.com/office/drawing/2014/chart" uri="{C3380CC4-5D6E-409C-BE32-E72D297353CC}">
+                <c16:uniqueId val="{00000009-C74E-5E44-BA77-ADDE80250D51}"/>
+              </c:ext>
+            </c:extLst>
           </c:dPt>
           <c:dPt>
             <c:idx val="5"/>
@@ -3065,6 +3230,11 @@
               </a:ln>
               <a:effectLst/>
             </c:spPr>
+            <c:extLst>
+              <c:ext xmlns:c16="http://schemas.microsoft.com/office/drawing/2014/chart" uri="{C3380CC4-5D6E-409C-BE32-E72D297353CC}">
+                <c16:uniqueId val="{0000000B-C74E-5E44-BA77-ADDE80250D51}"/>
+              </c:ext>
+            </c:extLst>
           </c:dPt>
           <c:dPt>
             <c:idx val="6"/>
@@ -3298,6 +3468,11 @@
               </a:ln>
               <a:effectLst/>
             </c:spPr>
+            <c:extLst>
+              <c:ext xmlns:c16="http://schemas.microsoft.com/office/drawing/2014/chart" uri="{C3380CC4-5D6E-409C-BE32-E72D297353CC}">
+                <c16:uniqueId val="{00000005-D4D1-5542-BD1C-23A69847FDBF}"/>
+              </c:ext>
+            </c:extLst>
           </c:dPt>
           <c:dPt>
             <c:idx val="3"/>
@@ -3313,6 +3488,11 @@
               </a:ln>
               <a:effectLst/>
             </c:spPr>
+            <c:extLst>
+              <c:ext xmlns:c16="http://schemas.microsoft.com/office/drawing/2014/chart" uri="{C3380CC4-5D6E-409C-BE32-E72D297353CC}">
+                <c16:uniqueId val="{00000007-D4D1-5542-BD1C-23A69847FDBF}"/>
+              </c:ext>
+            </c:extLst>
           </c:dPt>
           <c:cat>
             <c:strRef>
@@ -3449,6 +3629,11 @@
               </a:ln>
               <a:effectLst/>
             </c:spPr>
+            <c:extLst>
+              <c:ext xmlns:c16="http://schemas.microsoft.com/office/drawing/2014/chart" uri="{C3380CC4-5D6E-409C-BE32-E72D297353CC}">
+                <c16:uniqueId val="{00000001-7B19-134C-B011-7A72A20840F9}"/>
+              </c:ext>
+            </c:extLst>
           </c:dPt>
           <c:dPt>
             <c:idx val="1"/>
@@ -3464,6 +3649,11 @@
               </a:ln>
               <a:effectLst/>
             </c:spPr>
+            <c:extLst>
+              <c:ext xmlns:c16="http://schemas.microsoft.com/office/drawing/2014/chart" uri="{C3380CC4-5D6E-409C-BE32-E72D297353CC}">
+                <c16:uniqueId val="{00000003-7B19-134C-B011-7A72A20840F9}"/>
+              </c:ext>
+            </c:extLst>
           </c:dPt>
           <c:dPt>
             <c:idx val="2"/>
@@ -3662,6 +3852,11 @@
               </a:ln>
               <a:effectLst/>
             </c:spPr>
+            <c:extLst>
+              <c:ext xmlns:c16="http://schemas.microsoft.com/office/drawing/2014/chart" uri="{C3380CC4-5D6E-409C-BE32-E72D297353CC}">
+                <c16:uniqueId val="{00000001-55E3-F343-8504-1E85351CA983}"/>
+              </c:ext>
+            </c:extLst>
           </c:dPt>
           <c:dPt>
             <c:idx val="1"/>
@@ -3677,6 +3872,11 @@
               </a:ln>
               <a:effectLst/>
             </c:spPr>
+            <c:extLst>
+              <c:ext xmlns:c16="http://schemas.microsoft.com/office/drawing/2014/chart" uri="{C3380CC4-5D6E-409C-BE32-E72D297353CC}">
+                <c16:uniqueId val="{00000003-55E3-F343-8504-1E85351CA983}"/>
+              </c:ext>
+            </c:extLst>
           </c:dPt>
           <c:dPt>
             <c:idx val="2"/>
@@ -17687,7 +17887,7 @@
           <a:p>
             <a:r>
               <a:rPr lang="en-US" sz="4000" dirty="0"/>
-              <a:t>Odds Ratio Kitchen Placemat:</a:t>
+              <a:t>Odds Kitchen Placemat:</a:t>
             </a:r>
           </a:p>
         </p:txBody>
@@ -18115,7 +18315,7 @@
           <a:p>
             <a:r>
               <a:rPr lang="en-US" sz="4000" dirty="0"/>
-              <a:t>Relative Risk Kitchen Placemat:</a:t>
+              <a:t>Risk Kitchen Placemat:</a:t>
             </a:r>
           </a:p>
         </p:txBody>
